--- a/docs/Slides/CIS399Wk3Day2-ListViews.pptx
+++ b/docs/Slides/CIS399Wk3Day2-ListViews.pptx
@@ -237,7 +237,7 @@
           <a:p>
             <a:fld id="{1FC32AA1-1225-9048-80C3-2B6F58548154}" type="datetimeFigureOut">
               <a:rPr lang="en-US" smtClean="0"/>
-              <a:t>7/17/18</a:t>
+              <a:t>7/11/19</a:t>
             </a:fld>
             <a:endParaRPr lang="en-US"/>
           </a:p>
@@ -1335,15 +1335,31 @@
             </a:r>
             <a:r>
               <a:rPr lang="en-US" dirty="0" err="1"/>
-              <a:t>developer.android.com</a:t>
+              <a:t>docs.microsoft.com</a:t>
             </a:r>
             <a:r>
               <a:rPr lang="en-US" dirty="0"/>
-              <a:t>/reference/android/</a:t>
+              <a:t>/</a:t>
             </a:r>
             <a:r>
               <a:rPr lang="en-US" dirty="0" err="1"/>
-              <a:t>R.layout.html</a:t>
+              <a:t>en</a:t>
+            </a:r>
+            <a:r>
+              <a:rPr lang="en-US" dirty="0"/>
+              <a:t>-us/</a:t>
+            </a:r>
+            <a:r>
+              <a:rPr lang="en-US" dirty="0" err="1"/>
+              <a:t>xamarin</a:t>
+            </a:r>
+            <a:r>
+              <a:rPr lang="en-US" dirty="0"/>
+              <a:t>/android/user-interface/layouts/list-view/</a:t>
+            </a:r>
+            <a:r>
+              <a:rPr lang="en-US"/>
+              <a:t>customizing-appearance#built-in-row-views</a:t>
             </a:r>
             <a:endParaRPr lang="en-US" dirty="0"/>
           </a:p>
@@ -2360,7 +2376,7 @@
           <a:p>
             <a:fld id="{12110144-19AD-4D4E-902D-E18AF93089D3}" type="datetimeFigureOut">
               <a:rPr lang="en-US" smtClean="0"/>
-              <a:t>7/17/18</a:t>
+              <a:t>7/11/19</a:t>
             </a:fld>
             <a:endParaRPr lang="en-US"/>
           </a:p>
@@ -2528,7 +2544,7 @@
           <a:p>
             <a:fld id="{12110144-19AD-4D4E-902D-E18AF93089D3}" type="datetimeFigureOut">
               <a:rPr lang="en-US" smtClean="0"/>
-              <a:t>7/17/18</a:t>
+              <a:t>7/11/19</a:t>
             </a:fld>
             <a:endParaRPr lang="en-US"/>
           </a:p>
@@ -2706,7 +2722,7 @@
           <a:p>
             <a:fld id="{12110144-19AD-4D4E-902D-E18AF93089D3}" type="datetimeFigureOut">
               <a:rPr lang="en-US" smtClean="0"/>
-              <a:t>7/17/18</a:t>
+              <a:t>7/11/19</a:t>
             </a:fld>
             <a:endParaRPr lang="en-US"/>
           </a:p>
@@ -2874,7 +2890,7 @@
           <a:p>
             <a:fld id="{12110144-19AD-4D4E-902D-E18AF93089D3}" type="datetimeFigureOut">
               <a:rPr lang="en-US" smtClean="0"/>
-              <a:t>7/17/18</a:t>
+              <a:t>7/11/19</a:t>
             </a:fld>
             <a:endParaRPr lang="en-US"/>
           </a:p>
@@ -3119,7 +3135,7 @@
           <a:p>
             <a:fld id="{12110144-19AD-4D4E-902D-E18AF93089D3}" type="datetimeFigureOut">
               <a:rPr lang="en-US" smtClean="0"/>
-              <a:t>7/17/18</a:t>
+              <a:t>7/11/19</a:t>
             </a:fld>
             <a:endParaRPr lang="en-US"/>
           </a:p>
@@ -3404,7 +3420,7 @@
           <a:p>
             <a:fld id="{12110144-19AD-4D4E-902D-E18AF93089D3}" type="datetimeFigureOut">
               <a:rPr lang="en-US" smtClean="0"/>
-              <a:t>7/17/18</a:t>
+              <a:t>7/11/19</a:t>
             </a:fld>
             <a:endParaRPr lang="en-US"/>
           </a:p>
@@ -3823,7 +3839,7 @@
           <a:p>
             <a:fld id="{12110144-19AD-4D4E-902D-E18AF93089D3}" type="datetimeFigureOut">
               <a:rPr lang="en-US" smtClean="0"/>
-              <a:t>7/17/18</a:t>
+              <a:t>7/11/19</a:t>
             </a:fld>
             <a:endParaRPr lang="en-US"/>
           </a:p>
@@ -3940,7 +3956,7 @@
           <a:p>
             <a:fld id="{12110144-19AD-4D4E-902D-E18AF93089D3}" type="datetimeFigureOut">
               <a:rPr lang="en-US" smtClean="0"/>
-              <a:t>7/17/18</a:t>
+              <a:t>7/11/19</a:t>
             </a:fld>
             <a:endParaRPr lang="en-US"/>
           </a:p>
@@ -4035,7 +4051,7 @@
           <a:p>
             <a:fld id="{12110144-19AD-4D4E-902D-E18AF93089D3}" type="datetimeFigureOut">
               <a:rPr lang="en-US" smtClean="0"/>
-              <a:t>7/17/18</a:t>
+              <a:t>7/11/19</a:t>
             </a:fld>
             <a:endParaRPr lang="en-US"/>
           </a:p>
@@ -4310,7 +4326,7 @@
           <a:p>
             <a:fld id="{12110144-19AD-4D4E-902D-E18AF93089D3}" type="datetimeFigureOut">
               <a:rPr lang="en-US" smtClean="0"/>
-              <a:t>7/17/18</a:t>
+              <a:t>7/11/19</a:t>
             </a:fld>
             <a:endParaRPr lang="en-US"/>
           </a:p>
@@ -4562,7 +4578,7 @@
           <a:p>
             <a:fld id="{12110144-19AD-4D4E-902D-E18AF93089D3}" type="datetimeFigureOut">
               <a:rPr lang="en-US" smtClean="0"/>
-              <a:t>7/17/18</a:t>
+              <a:t>7/11/19</a:t>
             </a:fld>
             <a:endParaRPr lang="en-US"/>
           </a:p>
@@ -4791,7 +4807,7 @@
           <a:p>
             <a:fld id="{12110144-19AD-4D4E-902D-E18AF93089D3}" type="datetimeFigureOut">
               <a:rPr lang="en-US" smtClean="0"/>
-              <a:t>7/17/18</a:t>
+              <a:t>7/11/19</a:t>
             </a:fld>
             <a:endParaRPr lang="en-US"/>
           </a:p>
@@ -5346,7 +5362,7 @@
             <a:pPr lvl="1"/>
             <a:r>
               <a:rPr lang="en-US" sz="2400" dirty="0"/>
-              <a:t>Dragging a scroll traverses the list</a:t>
+              <a:t>Dragging in the scroll bar traverses the list more quickly.</a:t>
             </a:r>
           </a:p>
           <a:p>
@@ -5703,7 +5719,7 @@
           <a:graphicData uri="http://schemas.openxmlformats.org/presentationml/2006/ole">
             <mc:AlternateContent xmlns:mc="http://schemas.openxmlformats.org/markup-compatibility/2006">
               <mc:Choice xmlns:v="urn:schemas-microsoft-com:vml" Requires="v">
-                <p:oleObj spid="_x0000_s24633" name="Document" r:id="rId3" imgW="7296144" imgH="1781401" progId="Word.Document.12">
+                <p:oleObj spid="_x0000_s24636" name="Document" r:id="rId3" imgW="7296144" imgH="1781401" progId="Word.Document.12">
                   <p:embed/>
                 </p:oleObj>
               </mc:Choice>
@@ -5885,7 +5901,7 @@
           <a:graphicData uri="http://schemas.openxmlformats.org/presentationml/2006/ole">
             <mc:AlternateContent xmlns:mc="http://schemas.openxmlformats.org/markup-compatibility/2006">
               <mc:Choice xmlns:v="urn:schemas-microsoft-com:vml" Requires="v">
-                <p:oleObj spid="_x0000_s1069" name="Document" r:id="rId3" imgW="6864202" imgH="5422047" progId="Word.Document.12">
+                <p:oleObj spid="_x0000_s1072" name="Document" r:id="rId3" imgW="6864202" imgH="5422047" progId="Word.Document.12">
                   <p:embed/>
                 </p:oleObj>
               </mc:Choice>
@@ -6067,7 +6083,7 @@
           <a:graphicData uri="http://schemas.openxmlformats.org/presentationml/2006/ole">
             <mc:AlternateContent xmlns:mc="http://schemas.openxmlformats.org/markup-compatibility/2006">
               <mc:Choice xmlns:v="urn:schemas-microsoft-com:vml" Requires="v">
-                <p:oleObj spid="_x0000_s36910" name="Document" r:id="rId3" imgW="6959600" imgH="1282700" progId="Word.Document.12">
+                <p:oleObj spid="_x0000_s36913" name="Document" r:id="rId3" imgW="6959600" imgH="1282700" progId="Word.Document.12">
                   <p:embed/>
                 </p:oleObj>
               </mc:Choice>
@@ -6352,23 +6368,7 @@
           <a:p>
             <a:r>
               <a:rPr lang="en-US" dirty="0"/>
-              <a:t>SimpleAdapter – source is an </a:t>
-            </a:r>
-            <a:r>
-              <a:rPr lang="en-US" dirty="0" err="1"/>
-              <a:t>ArrayList</a:t>
-            </a:r>
-            <a:r>
-              <a:rPr lang="en-US" dirty="0"/>
-              <a:t> of Java </a:t>
-            </a:r>
-            <a:r>
-              <a:rPr lang="en-US" dirty="0" err="1"/>
-              <a:t>HashMap</a:t>
-            </a:r>
-            <a:r>
-              <a:rPr lang="en-US" dirty="0"/>
-              <a:t> objects </a:t>
+              <a:t>SimpleAdapter – source is an ArrayList of Java HashMap objects </a:t>
             </a:r>
           </a:p>
           <a:p>
@@ -6386,13 +6386,8 @@
           <a:p>
             <a:r>
               <a:rPr lang="en-US" dirty="0"/>
-              <a:t>BaseAdapter – subclass this to make your own </a:t>
-            </a:r>
-            <a:r>
-              <a:rPr lang="en-US"/>
-              <a:t>custom adapter</a:t>
-            </a:r>
-            <a:endParaRPr lang="en-US" dirty="0"/>
+              <a:t>BaseAdapter – subclass this to make your own custom adapter</a:t>
+            </a:r>
           </a:p>
         </p:txBody>
       </p:sp>
@@ -8565,28 +8560,10 @@
               <a:buNone/>
             </a:pPr>
             <a:r>
-              <a:rPr lang="en-US" sz="3800" dirty="0" err="1">
-                <a:latin typeface="Courier" pitchFamily="2" charset="0"/>
-              </a:rPr>
-              <a:t>ArrayList</a:t>
-            </a:r>
-            <a:r>
               <a:rPr lang="en-US" sz="3800" dirty="0">
                 <a:latin typeface="Courier" pitchFamily="2" charset="0"/>
               </a:rPr>
-              <a:t>&lt;</a:t>
-            </a:r>
-            <a:r>
-              <a:rPr lang="en-US" sz="3800" dirty="0" err="1">
-                <a:latin typeface="Courier" pitchFamily="2" charset="0"/>
-              </a:rPr>
-              <a:t>HashMap</a:t>
-            </a:r>
-            <a:r>
-              <a:rPr lang="en-US" sz="3800" dirty="0">
-                <a:latin typeface="Courier" pitchFamily="2" charset="0"/>
-              </a:rPr>
-              <a:t>&lt;String, String&gt;&gt; data = </a:t>
+              <a:t>ArrayList&lt;HashMap&lt;String, String&gt;&gt; data = </a:t>
             </a:r>
             <a:r>
               <a:rPr lang="en-US" sz="3800" b="1" dirty="0">
@@ -8606,28 +8583,10 @@
               <a:t>          </a:t>
             </a:r>
             <a:r>
-              <a:rPr lang="en-US" sz="3800" dirty="0" err="1">
-                <a:latin typeface="Courier" pitchFamily="2" charset="0"/>
-              </a:rPr>
-              <a:t>ArrayList</a:t>
-            </a:r>
-            <a:r>
               <a:rPr lang="en-US" sz="3800" dirty="0">
                 <a:latin typeface="Courier" pitchFamily="2" charset="0"/>
               </a:rPr>
-              <a:t>&lt;</a:t>
-            </a:r>
-            <a:r>
-              <a:rPr lang="en-US" sz="3800" dirty="0" err="1">
-                <a:latin typeface="Courier" pitchFamily="2" charset="0"/>
-              </a:rPr>
-              <a:t>HashMap</a:t>
-            </a:r>
-            <a:r>
-              <a:rPr lang="en-US" sz="3800" dirty="0">
-                <a:latin typeface="Courier" pitchFamily="2" charset="0"/>
-              </a:rPr>
-              <a:t>&lt;String, String&gt;&gt;();</a:t>
+              <a:t>ArrayList&lt;HashMap&lt;String, String&gt;&gt;();</a:t>
             </a:r>
           </a:p>
           <a:p>
@@ -8656,24 +8615,16 @@
               <a:buNone/>
             </a:pPr>
             <a:r>
-              <a:rPr lang="en-US" sz="3800" dirty="0" err="1"/>
-              <a:t>HashMap</a:t>
-            </a:r>
-            <a:r>
               <a:rPr lang="en-US" sz="3800" dirty="0"/>
-              <a:t>&lt;String, String&gt; map = </a:t>
+              <a:t>HashMap&lt;String, String&gt; map = </a:t>
             </a:r>
             <a:r>
               <a:rPr lang="en-US" sz="3800" b="1" dirty="0"/>
               <a:t>new </a:t>
             </a:r>
             <a:r>
-              <a:rPr lang="en-US" sz="3800" dirty="0" err="1"/>
-              <a:t>HashMap</a:t>
-            </a:r>
-            <a:r>
               <a:rPr lang="en-US" sz="3800" dirty="0"/>
-              <a:t>&lt;String, String&gt;();</a:t>
+              <a:t>HashMap&lt;String, String&gt;();</a:t>
             </a:r>
             <a:br>
               <a:rPr lang="en-US" sz="3800" dirty="0"/>
@@ -8684,7 +8635,7 @@
             </a:r>
             <a:r>
               <a:rPr lang="en-US" sz="3800" dirty="0"/>
-              <a:t>(“Date”, “7/10/18”)</a:t>
+              <a:t>(“Date”, “7/10/18”);</a:t>
             </a:r>
             <a:br>
               <a:rPr lang="en-US" sz="3800" i="1" dirty="0"/>
@@ -8711,7 +8662,7 @@
             </a:r>
             <a:r>
               <a:rPr lang="en-US" sz="3800" dirty="0"/>
-              <a:t>”</a:t>
+              <a:t>”);</a:t>
             </a:r>
             <a:br>
               <a:rPr lang="en-US" sz="3800" dirty="0"/>
@@ -10793,7 +10744,7 @@
           <a:graphicData uri="http://schemas.openxmlformats.org/presentationml/2006/ole">
             <mc:AlternateContent xmlns:mc="http://schemas.openxmlformats.org/markup-compatibility/2006">
               <mc:Choice xmlns:v="urn:schemas-microsoft-com:vml" Requires="v">
-                <p:oleObj spid="_x0000_s29753" name="Document" r:id="rId3" imgW="7416800" imgH="4864100" progId="Word.Document.12">
+                <p:oleObj spid="_x0000_s29756" name="Document" r:id="rId3" imgW="7416800" imgH="4864100" progId="Word.Document.12">
                   <p:embed/>
                 </p:oleObj>
               </mc:Choice>
@@ -10975,7 +10926,7 @@
           <a:graphicData uri="http://schemas.openxmlformats.org/presentationml/2006/ole">
             <mc:AlternateContent xmlns:mc="http://schemas.openxmlformats.org/markup-compatibility/2006">
               <mc:Choice xmlns:v="urn:schemas-microsoft-com:vml" Requires="v">
-                <p:oleObj spid="_x0000_s31801" name="Document" r:id="rId3" imgW="6864202" imgH="4685182" progId="Word.Document.12">
+                <p:oleObj spid="_x0000_s31804" name="Document" r:id="rId3" imgW="6864202" imgH="4685182" progId="Word.Document.12">
                   <p:embed/>
                 </p:oleObj>
               </mc:Choice>
@@ -11157,7 +11108,7 @@
           <a:graphicData uri="http://schemas.openxmlformats.org/presentationml/2006/ole">
             <mc:AlternateContent xmlns:mc="http://schemas.openxmlformats.org/markup-compatibility/2006">
               <mc:Choice xmlns:v="urn:schemas-microsoft-com:vml" Requires="v">
-                <p:oleObj spid="_x0000_s35889" name="Document" r:id="rId3" imgW="6864202" imgH="4073648" progId="Word.Document.12">
+                <p:oleObj spid="_x0000_s35892" name="Document" r:id="rId3" imgW="6864202" imgH="4073648" progId="Word.Document.12">
                   <p:embed/>
                 </p:oleObj>
               </mc:Choice>
@@ -11967,7 +11918,15 @@
           <a:p>
             <a:r>
               <a:rPr lang="en-US" sz="4100" dirty="0"/>
-              <a:t>Here’s an example using a custom row layout:</a:t>
+              <a:t>Here’s an example, from my </a:t>
+            </a:r>
+            <a:r>
+              <a:rPr lang="en-US" sz="4100" dirty="0" err="1"/>
+              <a:t>WeatherForecast</a:t>
+            </a:r>
+            <a:r>
+              <a:rPr lang="en-US" sz="4100" dirty="0"/>
+              <a:t> app, using a custom row layout:</a:t>
             </a:r>
             <a:br>
               <a:rPr lang="en-US" dirty="0"/>
